--- a/Networking-security-presentation.pptx
+++ b/Networking-security-presentation.pptx
@@ -12,13 +12,15 @@
     <p:sldId id="262" r:id="rId6"/>
     <p:sldId id="263" r:id="rId7"/>
     <p:sldId id="264" r:id="rId8"/>
-    <p:sldId id="267" r:id="rId9"/>
-    <p:sldId id="271" r:id="rId10"/>
-    <p:sldId id="273" r:id="rId11"/>
-    <p:sldId id="270" r:id="rId12"/>
-    <p:sldId id="268" r:id="rId13"/>
-    <p:sldId id="269" r:id="rId14"/>
-    <p:sldId id="272" r:id="rId15"/>
+    <p:sldId id="273" r:id="rId9"/>
+    <p:sldId id="275" r:id="rId10"/>
+    <p:sldId id="276" r:id="rId11"/>
+    <p:sldId id="267" r:id="rId12"/>
+    <p:sldId id="270" r:id="rId13"/>
+    <p:sldId id="271" r:id="rId14"/>
+    <p:sldId id="268" r:id="rId15"/>
+    <p:sldId id="269" r:id="rId16"/>
+    <p:sldId id="272" r:id="rId17"/>
   </p:sldIdLst>
   <p:sldSz cx="12192000" cy="6858000"/>
   <p:notesSz cx="6858000" cy="9144000"/>
@@ -117,6 +119,11 @@
       </a:defRPr>
     </a:lvl9pPr>
   </p:defaultTextStyle>
+  <p:extLst>
+    <p:ext uri="{EFAFB233-063F-42B5-8137-9DF3F51BA10A}">
+      <p15:sldGuideLst xmlns:p15="http://schemas.microsoft.com/office/powerpoint/2012/main"/>
+    </p:ext>
+  </p:extLst>
 </p:presentation>
 </file>
 
@@ -455,7 +462,7 @@
           <a:p>
             <a:fld id="{847C530B-87BE-470E-AE37-6AC4F38024F1}" type="datetimeFigureOut">
               <a:rPr lang="en-CA" smtClean="0"/>
-              <a:t>2022-04-12</a:t>
+              <a:t>2022-04-13</a:t>
             </a:fld>
             <a:endParaRPr lang="en-CA"/>
           </a:p>
@@ -1543,7 +1550,7 @@
           <a:p>
             <a:fld id="{847C530B-87BE-470E-AE37-6AC4F38024F1}" type="datetimeFigureOut">
               <a:rPr lang="en-CA" smtClean="0"/>
-              <a:t>2022-04-12</a:t>
+              <a:t>2022-04-13</a:t>
             </a:fld>
             <a:endParaRPr lang="en-CA"/>
           </a:p>
@@ -2523,7 +2530,7 @@
           <a:p>
             <a:fld id="{847C530B-87BE-470E-AE37-6AC4F38024F1}" type="datetimeFigureOut">
               <a:rPr lang="en-CA" smtClean="0"/>
-              <a:t>2022-04-12</a:t>
+              <a:t>2022-04-13</a:t>
             </a:fld>
             <a:endParaRPr lang="en-CA"/>
           </a:p>
@@ -3657,7 +3664,7 @@
           <a:p>
             <a:fld id="{847C530B-87BE-470E-AE37-6AC4F38024F1}" type="datetimeFigureOut">
               <a:rPr lang="en-CA" smtClean="0"/>
-              <a:t>2022-04-12</a:t>
+              <a:t>2022-04-13</a:t>
             </a:fld>
             <a:endParaRPr lang="en-CA"/>
           </a:p>
@@ -4690,7 +4697,7 @@
           <a:p>
             <a:fld id="{847C530B-87BE-470E-AE37-6AC4F38024F1}" type="datetimeFigureOut">
               <a:rPr lang="en-CA" smtClean="0"/>
-              <a:t>2022-04-12</a:t>
+              <a:t>2022-04-13</a:t>
             </a:fld>
             <a:endParaRPr lang="en-CA"/>
           </a:p>
@@ -5350,7 +5357,7 @@
           <a:p>
             <a:fld id="{847C530B-87BE-470E-AE37-6AC4F38024F1}" type="datetimeFigureOut">
               <a:rPr lang="en-CA" smtClean="0"/>
-              <a:t>2022-04-12</a:t>
+              <a:t>2022-04-13</a:t>
             </a:fld>
             <a:endParaRPr lang="en-CA"/>
           </a:p>
@@ -6211,7 +6218,7 @@
           <a:p>
             <a:fld id="{847C530B-87BE-470E-AE37-6AC4F38024F1}" type="datetimeFigureOut">
               <a:rPr lang="en-CA" smtClean="0"/>
-              <a:t>2022-04-12</a:t>
+              <a:t>2022-04-13</a:t>
             </a:fld>
             <a:endParaRPr lang="en-CA"/>
           </a:p>
@@ -6401,7 +6408,7 @@
           <a:p>
             <a:fld id="{847C530B-87BE-470E-AE37-6AC4F38024F1}" type="datetimeFigureOut">
               <a:rPr lang="en-CA" smtClean="0"/>
-              <a:t>2022-04-12</a:t>
+              <a:t>2022-04-13</a:t>
             </a:fld>
             <a:endParaRPr lang="en-CA"/>
           </a:p>
@@ -7373,7 +7380,7 @@
           <a:p>
             <a:fld id="{847C530B-87BE-470E-AE37-6AC4F38024F1}" type="datetimeFigureOut">
               <a:rPr lang="en-CA" smtClean="0"/>
-              <a:t>2022-04-12</a:t>
+              <a:t>2022-04-13</a:t>
             </a:fld>
             <a:endParaRPr lang="en-CA"/>
           </a:p>
@@ -7584,7 +7591,7 @@
           <a:p>
             <a:fld id="{847C530B-87BE-470E-AE37-6AC4F38024F1}" type="datetimeFigureOut">
               <a:rPr lang="en-CA" smtClean="0"/>
-              <a:t>2022-04-12</a:t>
+              <a:t>2022-04-13</a:t>
             </a:fld>
             <a:endParaRPr lang="en-CA"/>
           </a:p>
@@ -8618,7 +8625,7 @@
           <a:p>
             <a:fld id="{847C530B-87BE-470E-AE37-6AC4F38024F1}" type="datetimeFigureOut">
               <a:rPr lang="en-CA" smtClean="0"/>
-              <a:t>2022-04-12</a:t>
+              <a:t>2022-04-13</a:t>
             </a:fld>
             <a:endParaRPr lang="en-CA"/>
           </a:p>
@@ -8890,7 +8897,7 @@
           <a:p>
             <a:fld id="{847C530B-87BE-470E-AE37-6AC4F38024F1}" type="datetimeFigureOut">
               <a:rPr lang="en-CA" smtClean="0"/>
-              <a:t>2022-04-12</a:t>
+              <a:t>2022-04-13</a:t>
             </a:fld>
             <a:endParaRPr lang="en-CA"/>
           </a:p>
@@ -9300,7 +9307,7 @@
           <a:p>
             <a:fld id="{847C530B-87BE-470E-AE37-6AC4F38024F1}" type="datetimeFigureOut">
               <a:rPr lang="en-CA" smtClean="0"/>
-              <a:t>2022-04-12</a:t>
+              <a:t>2022-04-13</a:t>
             </a:fld>
             <a:endParaRPr lang="en-CA"/>
           </a:p>
@@ -9427,7 +9434,7 @@
           <a:p>
             <a:fld id="{847C530B-87BE-470E-AE37-6AC4F38024F1}" type="datetimeFigureOut">
               <a:rPr lang="en-CA" smtClean="0"/>
-              <a:t>2022-04-12</a:t>
+              <a:t>2022-04-13</a:t>
             </a:fld>
             <a:endParaRPr lang="en-CA"/>
           </a:p>
@@ -9522,7 +9529,7 @@
           <a:p>
             <a:fld id="{847C530B-87BE-470E-AE37-6AC4F38024F1}" type="datetimeFigureOut">
               <a:rPr lang="en-CA" smtClean="0"/>
-              <a:t>2022-04-12</a:t>
+              <a:t>2022-04-13</a:t>
             </a:fld>
             <a:endParaRPr lang="en-CA"/>
           </a:p>
@@ -10603,7 +10610,7 @@
           <a:p>
             <a:fld id="{847C530B-87BE-470E-AE37-6AC4F38024F1}" type="datetimeFigureOut">
               <a:rPr lang="en-CA" smtClean="0"/>
-              <a:t>2022-04-12</a:t>
+              <a:t>2022-04-13</a:t>
             </a:fld>
             <a:endParaRPr lang="en-CA"/>
           </a:p>
@@ -11711,7 +11718,7 @@
           <a:p>
             <a:fld id="{847C530B-87BE-470E-AE37-6AC4F38024F1}" type="datetimeFigureOut">
               <a:rPr lang="en-CA" smtClean="0"/>
-              <a:t>2022-04-12</a:t>
+              <a:t>2022-04-13</a:t>
             </a:fld>
             <a:endParaRPr lang="en-CA"/>
           </a:p>
@@ -12708,7 +12715,7 @@
           <a:p>
             <a:fld id="{847C530B-87BE-470E-AE37-6AC4F38024F1}" type="datetimeFigureOut">
               <a:rPr lang="en-CA" smtClean="0"/>
-              <a:t>2022-04-12</a:t>
+              <a:t>2022-04-13</a:t>
             </a:fld>
             <a:endParaRPr lang="en-CA"/>
           </a:p>
@@ -13448,7 +13455,7 @@
 </file>
 
 <file path=ppt/slides/slide10.xml><?xml version="1.0" encoding="utf-8"?>
-<p:sld xmlns:a="http://schemas.openxmlformats.org/drawingml/2006/main" xmlns:r="http://schemas.openxmlformats.org/officeDocument/2006/relationships" xmlns:p="http://schemas.openxmlformats.org/presentationml/2006/main" show="0">
+<p:sld xmlns:a="http://schemas.openxmlformats.org/drawingml/2006/main" xmlns:r="http://schemas.openxmlformats.org/officeDocument/2006/relationships" xmlns:p="http://schemas.openxmlformats.org/presentationml/2006/main">
   <p:cSld>
     <p:spTree>
       <p:nvGrpSpPr>
@@ -13531,10 +13538,10 @@
       </p:pic>
       <p:pic>
         <p:nvPicPr>
-          <p:cNvPr id="5" name="Picture 4" descr="Text&#10;&#10;Description automatically generated">
+          <p:cNvPr id="5" name="Picture 4" descr="Graphical user interface, application, email&#10;&#10;Description automatically generated">
             <a:extLst>
               <a:ext uri="{FF2B5EF4-FFF2-40B4-BE49-F238E27FC236}">
-                <a16:creationId xmlns:a16="http://schemas.microsoft.com/office/drawing/2014/main" id="{5EC8BD6E-AE1F-4ABD-B10D-E26F807FA5E2}"/>
+                <a16:creationId xmlns:a16="http://schemas.microsoft.com/office/drawing/2014/main" id="{C1D46DB4-C82B-4BD0-A7C7-DFCEAF01DB1C}"/>
               </a:ext>
             </a:extLst>
           </p:cNvPr>
@@ -13557,8 +13564,8 @@
         </p:blipFill>
         <p:spPr>
           <a:xfrm>
-            <a:off x="1154954" y="2434183"/>
-            <a:ext cx="6970591" cy="3947361"/>
+            <a:off x="1071957" y="2669754"/>
+            <a:ext cx="7269610" cy="3627120"/>
           </a:xfrm>
           <a:prstGeom prst="rect">
             <a:avLst/>
@@ -13568,7 +13575,7 @@
     </p:spTree>
     <p:extLst>
       <p:ext uri="{BB962C8B-B14F-4D97-AF65-F5344CB8AC3E}">
-        <p14:creationId xmlns:p14="http://schemas.microsoft.com/office/powerpoint/2010/main" val="2294413971"/>
+        <p14:creationId xmlns:p14="http://schemas.microsoft.com/office/powerpoint/2010/main" val="2452299176"/>
       </p:ext>
     </p:extLst>
   </p:cSld>
@@ -13579,6 +13586,189 @@
 </file>
 
 <file path=ppt/slides/slide11.xml><?xml version="1.0" encoding="utf-8"?>
+<p:sld xmlns:a="http://schemas.openxmlformats.org/drawingml/2006/main" xmlns:r="http://schemas.openxmlformats.org/officeDocument/2006/relationships" xmlns:p="http://schemas.openxmlformats.org/presentationml/2006/main">
+  <p:cSld>
+    <p:spTree>
+      <p:nvGrpSpPr>
+        <p:cNvPr id="1" name=""/>
+        <p:cNvGrpSpPr/>
+        <p:nvPr/>
+      </p:nvGrpSpPr>
+      <p:grpSpPr>
+        <a:xfrm>
+          <a:off x="0" y="0"/>
+          <a:ext cx="0" cy="0"/>
+          <a:chOff x="0" y="0"/>
+          <a:chExt cx="0" cy="0"/>
+        </a:xfrm>
+      </p:grpSpPr>
+      <p:sp>
+        <p:nvSpPr>
+          <p:cNvPr id="2" name="Title 1">
+            <a:extLst>
+              <a:ext uri="{FF2B5EF4-FFF2-40B4-BE49-F238E27FC236}">
+                <a16:creationId xmlns:a16="http://schemas.microsoft.com/office/drawing/2014/main" id="{23C8AB7F-EEF7-4895-AAFA-279F399CC826}"/>
+              </a:ext>
+            </a:extLst>
+          </p:cNvPr>
+          <p:cNvSpPr>
+            <a:spLocks noGrp="1"/>
+          </p:cNvSpPr>
+          <p:nvPr>
+            <p:ph type="title"/>
+          </p:nvPr>
+        </p:nvSpPr>
+        <p:spPr>
+          <a:xfrm>
+            <a:off x="1154954" y="973668"/>
+            <a:ext cx="10026190" cy="706964"/>
+          </a:xfrm>
+        </p:spPr>
+        <p:txBody>
+          <a:bodyPr/>
+          <a:lstStyle/>
+          <a:p>
+            <a:r>
+              <a:rPr lang="en-US" dirty="0"/>
+              <a:t>ARP Poisoning Attack</a:t>
+            </a:r>
+            <a:endParaRPr lang="en-CA" dirty="0"/>
+          </a:p>
+        </p:txBody>
+      </p:sp>
+      <p:sp>
+        <p:nvSpPr>
+          <p:cNvPr id="3" name="Content Placeholder 2">
+            <a:extLst>
+              <a:ext uri="{FF2B5EF4-FFF2-40B4-BE49-F238E27FC236}">
+                <a16:creationId xmlns:a16="http://schemas.microsoft.com/office/drawing/2014/main" id="{06A856A4-260F-4C04-9901-E8E017F06CD8}"/>
+              </a:ext>
+            </a:extLst>
+          </p:cNvPr>
+          <p:cNvSpPr>
+            <a:spLocks noGrp="1"/>
+          </p:cNvSpPr>
+          <p:nvPr>
+            <p:ph sz="half" idx="1"/>
+          </p:nvPr>
+        </p:nvSpPr>
+        <p:spPr>
+          <a:xfrm>
+            <a:off x="1154953" y="2603500"/>
+            <a:ext cx="5593087" cy="3416301"/>
+          </a:xfrm>
+        </p:spPr>
+        <p:txBody>
+          <a:bodyPr>
+            <a:noAutofit/>
+          </a:bodyPr>
+          <a:lstStyle/>
+          <a:p>
+            <a:pPr marL="0" indent="0">
+              <a:buNone/>
+            </a:pPr>
+            <a:r>
+              <a:rPr lang="en-US" sz="2000" dirty="0"/>
+              <a:t>Given an IP address, the Address Resolution Protocol (ARP) is a communication protocol for determining the link layer address, such as the MAC address.</a:t>
+            </a:r>
+          </a:p>
+          <a:p>
+            <a:pPr marL="0" indent="0">
+              <a:buNone/>
+            </a:pPr>
+            <a:r>
+              <a:rPr lang="en-US" sz="2000" dirty="0"/>
+              <a:t>The ARP cache poisoning attack is a typical ARP protocol exploit. Attackers can use this technique to trick the victim into adopting counterfeit IP-to-MAC mappings. This can lead to traffic being routed to the machine with the falsified MAC address, thus exposing the victim to man-in-the-middle attacks.</a:t>
+            </a:r>
+            <a:endParaRPr lang="en-CA" sz="2000" dirty="0"/>
+          </a:p>
+        </p:txBody>
+      </p:sp>
+      <p:pic>
+        <p:nvPicPr>
+          <p:cNvPr id="7" name="Content Placeholder 6" descr="Diagram&#10;&#10;Description automatically generated">
+            <a:extLst>
+              <a:ext uri="{FF2B5EF4-FFF2-40B4-BE49-F238E27FC236}">
+                <a16:creationId xmlns:a16="http://schemas.microsoft.com/office/drawing/2014/main" id="{24FCD1E5-985D-422F-A486-C4AA2283C5D7}"/>
+              </a:ext>
+            </a:extLst>
+          </p:cNvPr>
+          <p:cNvPicPr>
+            <a:picLocks noGrp="1" noChangeAspect="1"/>
+          </p:cNvPicPr>
+          <p:nvPr>
+            <p:ph sz="half" idx="2"/>
+          </p:nvPr>
+        </p:nvPicPr>
+        <p:blipFill>
+          <a:blip r:embed="rId2">
+            <a:extLst>
+              <a:ext uri="{28A0092B-C50C-407E-A947-70E740481C1C}">
+                <a14:useLocalDpi xmlns:a14="http://schemas.microsoft.com/office/drawing/2010/main" val="0"/>
+              </a:ext>
+            </a:extLst>
+          </a:blip>
+          <a:stretch>
+            <a:fillRect/>
+          </a:stretch>
+        </p:blipFill>
+        <p:spPr>
+          <a:xfrm>
+            <a:off x="6886888" y="2603500"/>
+            <a:ext cx="3468062" cy="3416300"/>
+          </a:xfrm>
+        </p:spPr>
+      </p:pic>
+      <p:pic>
+        <p:nvPicPr>
+          <p:cNvPr id="4" name="Picture 3" descr="Logo, company name&#10;&#10;Description automatically generated">
+            <a:extLst>
+              <a:ext uri="{FF2B5EF4-FFF2-40B4-BE49-F238E27FC236}">
+                <a16:creationId xmlns:a16="http://schemas.microsoft.com/office/drawing/2014/main" id="{55A5BF43-CB8C-468A-8A47-2FD53A292647}"/>
+              </a:ext>
+            </a:extLst>
+          </p:cNvPr>
+          <p:cNvPicPr>
+            <a:picLocks noChangeAspect="1"/>
+          </p:cNvPicPr>
+          <p:nvPr/>
+        </p:nvPicPr>
+        <p:blipFill>
+          <a:blip r:embed="rId3">
+            <a:extLst>
+              <a:ext uri="{28A0092B-C50C-407E-A947-70E740481C1C}">
+                <a14:useLocalDpi xmlns:a14="http://schemas.microsoft.com/office/drawing/2010/main" val="0"/>
+              </a:ext>
+            </a:extLst>
+          </a:blip>
+          <a:stretch>
+            <a:fillRect/>
+          </a:stretch>
+        </p:blipFill>
+        <p:spPr>
+          <a:xfrm>
+            <a:off x="8782630" y="5735749"/>
+            <a:ext cx="3409370" cy="1122251"/>
+          </a:xfrm>
+          <a:prstGeom prst="rect">
+            <a:avLst/>
+          </a:prstGeom>
+        </p:spPr>
+      </p:pic>
+    </p:spTree>
+    <p:extLst>
+      <p:ext uri="{BB962C8B-B14F-4D97-AF65-F5344CB8AC3E}">
+        <p14:creationId xmlns:p14="http://schemas.microsoft.com/office/powerpoint/2010/main" val="3727788519"/>
+      </p:ext>
+    </p:extLst>
+  </p:cSld>
+  <p:clrMapOvr>
+    <a:masterClrMapping/>
+  </p:clrMapOvr>
+</p:sld>
+</file>
+
+<file path=ppt/slides/slide12.xml><?xml version="1.0" encoding="utf-8"?>
 <p:sld xmlns:a="http://schemas.openxmlformats.org/drawingml/2006/main" xmlns:r="http://schemas.openxmlformats.org/officeDocument/2006/relationships" xmlns:p="http://schemas.openxmlformats.org/presentationml/2006/main">
   <p:cSld>
     <p:spTree>
@@ -13712,7 +13902,7 @@
 </p:sld>
 </file>
 
-<file path=ppt/slides/slide12.xml><?xml version="1.0" encoding="utf-8"?>
+<file path=ppt/slides/slide13.xml><?xml version="1.0" encoding="utf-8"?>
 <p:sld xmlns:a="http://schemas.openxmlformats.org/drawingml/2006/main" xmlns:r="http://schemas.openxmlformats.org/officeDocument/2006/relationships" xmlns:p="http://schemas.openxmlformats.org/presentationml/2006/main">
   <p:cSld>
     <p:bg>
@@ -14496,6 +14686,830 @@
       </p:pic>
       <p:pic>
         <p:nvPicPr>
+          <p:cNvPr id="4" name="Content Placeholder 3">
+            <a:extLst>
+              <a:ext uri="{FF2B5EF4-FFF2-40B4-BE49-F238E27FC236}">
+                <a16:creationId xmlns:a16="http://schemas.microsoft.com/office/drawing/2014/main" id="{BA4B95FC-A9E2-4C0D-A5C3-9A1AD7F68CC4}"/>
+              </a:ext>
+            </a:extLst>
+          </p:cNvPr>
+          <p:cNvPicPr>
+            <a:picLocks noGrp="1" noChangeAspect="1"/>
+          </p:cNvPicPr>
+          <p:nvPr>
+            <p:ph idx="1"/>
+          </p:nvPr>
+        </p:nvPicPr>
+        <p:blipFill>
+          <a:blip r:embed="rId4"/>
+          <a:stretch>
+            <a:fillRect/>
+          </a:stretch>
+        </p:blipFill>
+        <p:spPr>
+          <a:xfrm>
+            <a:off x="344383" y="497208"/>
+            <a:ext cx="7292715" cy="5799666"/>
+          </a:xfrm>
+        </p:spPr>
+      </p:pic>
+    </p:spTree>
+    <p:extLst>
+      <p:ext uri="{BB962C8B-B14F-4D97-AF65-F5344CB8AC3E}">
+        <p14:creationId xmlns:p14="http://schemas.microsoft.com/office/powerpoint/2010/main" val="1264080200"/>
+      </p:ext>
+    </p:extLst>
+  </p:cSld>
+  <p:clrMapOvr>
+    <a:masterClrMapping/>
+  </p:clrMapOvr>
+</p:sld>
+</file>
+
+<file path=ppt/slides/slide14.xml><?xml version="1.0" encoding="utf-8"?>
+<p:sld xmlns:a="http://schemas.openxmlformats.org/drawingml/2006/main" xmlns:r="http://schemas.openxmlformats.org/officeDocument/2006/relationships" xmlns:p="http://schemas.openxmlformats.org/presentationml/2006/main">
+  <p:cSld>
+    <p:bg>
+      <p:bgPr>
+        <a:solidFill>
+          <a:schemeClr val="bg1"/>
+        </a:solidFill>
+        <a:effectLst/>
+      </p:bgPr>
+    </p:bg>
+    <p:spTree>
+      <p:nvGrpSpPr>
+        <p:cNvPr id="1" name=""/>
+        <p:cNvGrpSpPr/>
+        <p:nvPr/>
+      </p:nvGrpSpPr>
+      <p:grpSpPr>
+        <a:xfrm>
+          <a:off x="0" y="0"/>
+          <a:ext cx="0" cy="0"/>
+          <a:chOff x="0" y="0"/>
+          <a:chExt cx="0" cy="0"/>
+        </a:xfrm>
+      </p:grpSpPr>
+      <p:grpSp>
+        <p:nvGrpSpPr>
+          <p:cNvPr id="13" name="Group 12">
+            <a:extLst>
+              <a:ext uri="{FF2B5EF4-FFF2-40B4-BE49-F238E27FC236}">
+                <a16:creationId xmlns:a16="http://schemas.microsoft.com/office/drawing/2014/main" id="{4091D54B-59AB-4A5E-8E9E-0421BD66D4FB}"/>
+              </a:ext>
+              <a:ext uri="{C183D7F6-B498-43B3-948B-1728B52AA6E4}">
+                <adec:decorative xmlns:adec="http://schemas.microsoft.com/office/drawing/2017/decorative" val="1"/>
+              </a:ext>
+            </a:extLst>
+          </p:cNvPr>
+          <p:cNvGrpSpPr>
+            <a:grpSpLocks noGrp="1" noUngrp="1" noRot="1" noChangeAspect="1" noMove="1" noResize="1"/>
+          </p:cNvGrpSpPr>
+          <p:nvPr>
+            <p:extLst>
+              <p:ext uri="{386F3935-93C4-4BCD-93E2-E3B085C9AB24}">
+                <p16:designElem xmlns:p16="http://schemas.microsoft.com/office/powerpoint/2015/main" val="1"/>
+              </p:ext>
+            </p:extLst>
+          </p:nvPr>
+        </p:nvGrpSpPr>
+        <p:grpSpPr>
+          <a:xfrm>
+            <a:off x="0" y="0"/>
+            <a:ext cx="12192000" cy="6858000"/>
+            <a:chOff x="0" y="0"/>
+            <a:chExt cx="12192000" cy="6858000"/>
+          </a:xfrm>
+        </p:grpSpPr>
+        <p:sp>
+          <p:nvSpPr>
+            <p:cNvPr id="14" name="Rectangle 13">
+              <a:extLst>
+                <a:ext uri="{FF2B5EF4-FFF2-40B4-BE49-F238E27FC236}">
+                  <a16:creationId xmlns:a16="http://schemas.microsoft.com/office/drawing/2014/main" id="{547CE62E-FFFD-4A1F-BA78-C3B89C36FCA5}"/>
+                </a:ext>
+                <a:ext uri="{C183D7F6-B498-43B3-948B-1728B52AA6E4}">
+                  <adec:decorative xmlns:adec="http://schemas.microsoft.com/office/drawing/2017/decorative" val="1"/>
+                </a:ext>
+              </a:extLst>
+            </p:cNvPr>
+            <p:cNvSpPr/>
+            <p:nvPr>
+              <p:extLst>
+                <p:ext uri="{386F3935-93C4-4BCD-93E2-E3B085C9AB24}">
+                  <p16:designElem xmlns:p16="http://schemas.microsoft.com/office/powerpoint/2015/main" val="1"/>
+                </p:ext>
+              </p:extLst>
+            </p:nvPr>
+          </p:nvSpPr>
+          <p:spPr>
+            <a:xfrm>
+              <a:off x="0" y="0"/>
+              <a:ext cx="12192000" cy="6858000"/>
+            </a:xfrm>
+            <a:prstGeom prst="rect">
+              <a:avLst/>
+            </a:prstGeom>
+            <a:blipFill>
+              <a:blip r:embed="rId2">
+                <a:duotone>
+                  <a:schemeClr val="dk2">
+                    <a:shade val="69000"/>
+                    <a:hueMod val="91000"/>
+                    <a:satMod val="164000"/>
+                    <a:lumMod val="74000"/>
+                  </a:schemeClr>
+                  <a:schemeClr val="dk2">
+                    <a:hueMod val="124000"/>
+                    <a:satMod val="140000"/>
+                    <a:lumMod val="142000"/>
+                  </a:schemeClr>
+                </a:duotone>
+              </a:blip>
+              <a:stretch>
+                <a:fillRect/>
+              </a:stretch>
+            </a:blipFill>
+            <a:ln>
+              <a:noFill/>
+            </a:ln>
+          </p:spPr>
+          <p:style>
+            <a:lnRef idx="2">
+              <a:schemeClr val="accent1">
+                <a:shade val="50000"/>
+              </a:schemeClr>
+            </a:lnRef>
+            <a:fillRef idx="1">
+              <a:schemeClr val="accent1"/>
+            </a:fillRef>
+            <a:effectRef idx="0">
+              <a:schemeClr val="accent1"/>
+            </a:effectRef>
+            <a:fontRef idx="minor">
+              <a:schemeClr val="lt1"/>
+            </a:fontRef>
+          </p:style>
+        </p:sp>
+        <p:sp>
+          <p:nvSpPr>
+            <p:cNvPr id="15" name="Freeform 5">
+              <a:extLst>
+                <a:ext uri="{FF2B5EF4-FFF2-40B4-BE49-F238E27FC236}">
+                  <a16:creationId xmlns:a16="http://schemas.microsoft.com/office/drawing/2014/main" id="{AE51FD27-6B6A-4D21-BF22-245DA9BD0B3E}"/>
+                </a:ext>
+                <a:ext uri="{C183D7F6-B498-43B3-948B-1728B52AA6E4}">
+                  <adec:decorative xmlns:adec="http://schemas.microsoft.com/office/drawing/2017/decorative" val="1"/>
+                </a:ext>
+              </a:extLst>
+            </p:cNvPr>
+            <p:cNvSpPr>
+              <a:spLocks noEditPoints="1"/>
+            </p:cNvSpPr>
+            <p:nvPr>
+              <p:extLst>
+                <p:ext uri="{386F3935-93C4-4BCD-93E2-E3B085C9AB24}">
+                  <p16:designElem xmlns:p16="http://schemas.microsoft.com/office/powerpoint/2015/main" val="1"/>
+                </p:ext>
+              </p:extLst>
+            </p:nvPr>
+          </p:nvSpPr>
+          <p:spPr bwMode="gray">
+            <a:xfrm>
+              <a:off x="0" y="1587"/>
+              <a:ext cx="12192000" cy="6856413"/>
+            </a:xfrm>
+            <a:custGeom>
+              <a:avLst/>
+              <a:gdLst/>
+              <a:ahLst/>
+              <a:cxnLst/>
+              <a:rect l="0" t="0" r="r" b="b"/>
+              <a:pathLst>
+                <a:path w="15356" h="8638">
+                  <a:moveTo>
+                    <a:pt x="0" y="0"/>
+                  </a:moveTo>
+                  <a:lnTo>
+                    <a:pt x="0" y="8638"/>
+                  </a:lnTo>
+                  <a:lnTo>
+                    <a:pt x="15356" y="8638"/>
+                  </a:lnTo>
+                  <a:lnTo>
+                    <a:pt x="15356" y="0"/>
+                  </a:lnTo>
+                  <a:lnTo>
+                    <a:pt x="0" y="0"/>
+                  </a:lnTo>
+                  <a:close/>
+                  <a:moveTo>
+                    <a:pt x="14748" y="8038"/>
+                  </a:moveTo>
+                  <a:lnTo>
+                    <a:pt x="600" y="8038"/>
+                  </a:lnTo>
+                  <a:lnTo>
+                    <a:pt x="600" y="592"/>
+                  </a:lnTo>
+                  <a:lnTo>
+                    <a:pt x="14748" y="592"/>
+                  </a:lnTo>
+                  <a:lnTo>
+                    <a:pt x="14748" y="8038"/>
+                  </a:lnTo>
+                  <a:close/>
+                </a:path>
+              </a:pathLst>
+            </a:custGeom>
+            <a:solidFill>
+              <a:schemeClr val="bg1"/>
+            </a:solidFill>
+            <a:ln>
+              <a:noFill/>
+            </a:ln>
+          </p:spPr>
+        </p:sp>
+      </p:grpSp>
+      <p:sp>
+        <p:nvSpPr>
+          <p:cNvPr id="17" name="Rectangle 16">
+            <a:extLst>
+              <a:ext uri="{FF2B5EF4-FFF2-40B4-BE49-F238E27FC236}">
+                <a16:creationId xmlns:a16="http://schemas.microsoft.com/office/drawing/2014/main" id="{B8144315-1C5A-4185-A952-25D98D303D46}"/>
+              </a:ext>
+              <a:ext uri="{C183D7F6-B498-43B3-948B-1728B52AA6E4}">
+                <adec:decorative xmlns:adec="http://schemas.microsoft.com/office/drawing/2017/decorative" val="1"/>
+              </a:ext>
+            </a:extLst>
+          </p:cNvPr>
+          <p:cNvSpPr>
+            <a:spLocks noGrp="1" noRot="1" noChangeAspect="1" noMove="1" noResize="1" noEditPoints="1" noAdjustHandles="1" noChangeArrowheads="1" noChangeShapeType="1" noTextEdit="1"/>
+          </p:cNvSpPr>
+          <p:nvPr>
+            <p:extLst>
+              <p:ext uri="{386F3935-93C4-4BCD-93E2-E3B085C9AB24}">
+                <p16:designElem xmlns:p16="http://schemas.microsoft.com/office/powerpoint/2015/main" val="1"/>
+              </p:ext>
+            </p:extLst>
+          </p:nvPr>
+        </p:nvSpPr>
+        <p:spPr>
+          <a:xfrm>
+            <a:off x="10437812" y="0"/>
+            <a:ext cx="685800" cy="1143000"/>
+          </a:xfrm>
+          <a:prstGeom prst="rect">
+            <a:avLst/>
+          </a:prstGeom>
+          <a:solidFill>
+            <a:schemeClr val="accent1"/>
+          </a:solidFill>
+          <a:ln>
+            <a:noFill/>
+          </a:ln>
+        </p:spPr>
+        <p:style>
+          <a:lnRef idx="1">
+            <a:schemeClr val="accent1"/>
+          </a:lnRef>
+          <a:fillRef idx="3">
+            <a:schemeClr val="accent1"/>
+          </a:fillRef>
+          <a:effectRef idx="2">
+            <a:schemeClr val="accent1"/>
+          </a:effectRef>
+          <a:fontRef idx="minor">
+            <a:schemeClr val="lt1"/>
+          </a:fontRef>
+        </p:style>
+      </p:sp>
+      <p:sp>
+        <p:nvSpPr>
+          <p:cNvPr id="5" name="Title 4">
+            <a:extLst>
+              <a:ext uri="{FF2B5EF4-FFF2-40B4-BE49-F238E27FC236}">
+                <a16:creationId xmlns:a16="http://schemas.microsoft.com/office/drawing/2014/main" id="{90BF1767-46A8-4A6B-B4D0-ED9AF7FCF367}"/>
+              </a:ext>
+            </a:extLst>
+          </p:cNvPr>
+          <p:cNvSpPr>
+            <a:spLocks noGrp="1"/>
+          </p:cNvSpPr>
+          <p:nvPr>
+            <p:ph type="title"/>
+          </p:nvPr>
+        </p:nvSpPr>
+        <p:spPr>
+          <a:xfrm>
+            <a:off x="8382055" y="1241266"/>
+            <a:ext cx="3161016" cy="3153753"/>
+          </a:xfrm>
+        </p:spPr>
+        <p:txBody>
+          <a:bodyPr vert="horz" lIns="91440" tIns="45720" rIns="91440" bIns="45720" rtlCol="0" anchor="b">
+            <a:normAutofit/>
+          </a:bodyPr>
+          <a:lstStyle/>
+          <a:p>
+            <a:r>
+              <a:rPr lang="en-US" sz="5400" b="0" i="0" kern="1200">
+                <a:solidFill>
+                  <a:srgbClr val="EBEBEB"/>
+                </a:solidFill>
+                <a:latin typeface="+mj-lt"/>
+                <a:ea typeface="+mj-ea"/>
+                <a:cs typeface="+mj-cs"/>
+              </a:rPr>
+              <a:t>CODE</a:t>
+            </a:r>
+          </a:p>
+        </p:txBody>
+      </p:sp>
+      <p:grpSp>
+        <p:nvGrpSpPr>
+          <p:cNvPr id="19" name="Group 18">
+            <a:extLst>
+              <a:ext uri="{FF2B5EF4-FFF2-40B4-BE49-F238E27FC236}">
+                <a16:creationId xmlns:a16="http://schemas.microsoft.com/office/drawing/2014/main" id="{25A657F0-42F3-40D3-BC75-7DA1F5C6A225}"/>
+              </a:ext>
+              <a:ext uri="{C183D7F6-B498-43B3-948B-1728B52AA6E4}">
+                <adec:decorative xmlns:adec="http://schemas.microsoft.com/office/drawing/2017/decorative" val="1"/>
+              </a:ext>
+            </a:extLst>
+          </p:cNvPr>
+          <p:cNvGrpSpPr>
+            <a:grpSpLocks noGrp="1" noUngrp="1" noRot="1" noChangeAspect="1" noMove="1" noResize="1"/>
+          </p:cNvGrpSpPr>
+          <p:nvPr>
+            <p:extLst>
+              <p:ext uri="{386F3935-93C4-4BCD-93E2-E3B085C9AB24}">
+                <p16:designElem xmlns:p16="http://schemas.microsoft.com/office/powerpoint/2015/main" val="1"/>
+              </p:ext>
+            </p:extLst>
+          </p:nvPr>
+        </p:nvGrpSpPr>
+        <p:grpSpPr>
+          <a:xfrm>
+            <a:off x="423332" y="396837"/>
+            <a:ext cx="7906665" cy="6058999"/>
+            <a:chOff x="423332" y="396837"/>
+            <a:chExt cx="7906665" cy="6058999"/>
+          </a:xfrm>
+        </p:grpSpPr>
+        <p:sp>
+          <p:nvSpPr>
+            <p:cNvPr id="20" name="Rectangle 19">
+              <a:extLst>
+                <a:ext uri="{FF2B5EF4-FFF2-40B4-BE49-F238E27FC236}">
+                  <a16:creationId xmlns:a16="http://schemas.microsoft.com/office/drawing/2014/main" id="{2E94FF68-7A60-47B7-AB98-1674FC7F2D14}"/>
+                </a:ext>
+                <a:ext uri="{C183D7F6-B498-43B3-948B-1728B52AA6E4}">
+                  <adec:decorative xmlns:adec="http://schemas.microsoft.com/office/drawing/2017/decorative" val="1"/>
+                </a:ext>
+              </a:extLst>
+            </p:cNvPr>
+            <p:cNvSpPr/>
+            <p:nvPr>
+              <p:extLst>
+                <p:ext uri="{386F3935-93C4-4BCD-93E2-E3B085C9AB24}">
+                  <p16:designElem xmlns:p16="http://schemas.microsoft.com/office/powerpoint/2015/main" val="1"/>
+                </p:ext>
+              </p:extLst>
+            </p:nvPr>
+          </p:nvSpPr>
+          <p:spPr bwMode="gray">
+            <a:xfrm flipH="1">
+              <a:off x="423332" y="402165"/>
+              <a:ext cx="6785133" cy="6053670"/>
+            </a:xfrm>
+            <a:prstGeom prst="rect">
+              <a:avLst/>
+            </a:prstGeom>
+            <a:solidFill>
+              <a:schemeClr val="bg1"/>
+            </a:solidFill>
+            <a:ln>
+              <a:noFill/>
+            </a:ln>
+            <a:effectLst/>
+          </p:spPr>
+          <p:style>
+            <a:lnRef idx="1">
+              <a:schemeClr val="accent1"/>
+            </a:lnRef>
+            <a:fillRef idx="3">
+              <a:schemeClr val="accent1"/>
+            </a:fillRef>
+            <a:effectRef idx="2">
+              <a:schemeClr val="accent1"/>
+            </a:effectRef>
+            <a:fontRef idx="minor">
+              <a:schemeClr val="lt1"/>
+            </a:fontRef>
+          </p:style>
+        </p:sp>
+        <p:sp>
+          <p:nvSpPr>
+            <p:cNvPr id="21" name="Freeform 5">
+              <a:extLst>
+                <a:ext uri="{FF2B5EF4-FFF2-40B4-BE49-F238E27FC236}">
+                  <a16:creationId xmlns:a16="http://schemas.microsoft.com/office/drawing/2014/main" id="{42B4F8D7-4E9C-45EF-9072-1AF32CEF7102}"/>
+                </a:ext>
+                <a:ext uri="{C183D7F6-B498-43B3-948B-1728B52AA6E4}">
+                  <adec:decorative xmlns:adec="http://schemas.microsoft.com/office/drawing/2017/decorative" val="1"/>
+                </a:ext>
+              </a:extLst>
+            </p:cNvPr>
+            <p:cNvSpPr/>
+            <p:nvPr>
+              <p:extLst>
+                <p:ext uri="{386F3935-93C4-4BCD-93E2-E3B085C9AB24}">
+                  <p16:designElem xmlns:p16="http://schemas.microsoft.com/office/powerpoint/2015/main" val="1"/>
+                </p:ext>
+              </p:extLst>
+            </p:nvPr>
+          </p:nvSpPr>
+          <p:spPr bwMode="gray">
+            <a:xfrm rot="5400000" flipH="1">
+              <a:off x="4616676" y="2801722"/>
+              <a:ext cx="6053670" cy="1254558"/>
+            </a:xfrm>
+            <a:custGeom>
+              <a:avLst/>
+              <a:gdLst/>
+              <a:ahLst/>
+              <a:cxnLst/>
+              <a:rect l="l" t="t" r="r" b="b"/>
+              <a:pathLst>
+                <a:path w="10000" h="8000">
+                  <a:moveTo>
+                    <a:pt x="0" y="0"/>
+                  </a:moveTo>
+                  <a:lnTo>
+                    <a:pt x="0" y="7970"/>
+                  </a:lnTo>
+                  <a:lnTo>
+                    <a:pt x="10000" y="8000"/>
+                  </a:lnTo>
+                  <a:lnTo>
+                    <a:pt x="10000" y="7"/>
+                  </a:lnTo>
+                  <a:lnTo>
+                    <a:pt x="10000" y="7"/>
+                  </a:lnTo>
+                  <a:lnTo>
+                    <a:pt x="9773" y="156"/>
+                  </a:lnTo>
+                  <a:lnTo>
+                    <a:pt x="9547" y="298"/>
+                  </a:lnTo>
+                  <a:lnTo>
+                    <a:pt x="9320" y="437"/>
+                  </a:lnTo>
+                  <a:lnTo>
+                    <a:pt x="9092" y="556"/>
+                  </a:lnTo>
+                  <a:lnTo>
+                    <a:pt x="8865" y="676"/>
+                  </a:lnTo>
+                  <a:lnTo>
+                    <a:pt x="8637" y="788"/>
+                  </a:lnTo>
+                  <a:lnTo>
+                    <a:pt x="8412" y="884"/>
+                  </a:lnTo>
+                  <a:lnTo>
+                    <a:pt x="8184" y="975"/>
+                  </a:lnTo>
+                  <a:lnTo>
+                    <a:pt x="7957" y="1058"/>
+                  </a:lnTo>
+                  <a:lnTo>
+                    <a:pt x="7734" y="1130"/>
+                  </a:lnTo>
+                  <a:lnTo>
+                    <a:pt x="7508" y="1202"/>
+                  </a:lnTo>
+                  <a:lnTo>
+                    <a:pt x="7285" y="1262"/>
+                  </a:lnTo>
+                  <a:lnTo>
+                    <a:pt x="7062" y="1309"/>
+                  </a:lnTo>
+                  <a:lnTo>
+                    <a:pt x="6840" y="1358"/>
+                  </a:lnTo>
+                  <a:lnTo>
+                    <a:pt x="6620" y="1399"/>
+                  </a:lnTo>
+                  <a:lnTo>
+                    <a:pt x="6402" y="1428"/>
+                  </a:lnTo>
+                  <a:lnTo>
+                    <a:pt x="6184" y="1453"/>
+                  </a:lnTo>
+                  <a:lnTo>
+                    <a:pt x="5968" y="1477"/>
+                  </a:lnTo>
+                  <a:lnTo>
+                    <a:pt x="5755" y="1488"/>
+                  </a:lnTo>
+                  <a:lnTo>
+                    <a:pt x="5542" y="1500"/>
+                  </a:lnTo>
+                  <a:lnTo>
+                    <a:pt x="5332" y="1506"/>
+                  </a:lnTo>
+                  <a:lnTo>
+                    <a:pt x="5124" y="1500"/>
+                  </a:lnTo>
+                  <a:lnTo>
+                    <a:pt x="4918" y="1500"/>
+                  </a:lnTo>
+                  <a:lnTo>
+                    <a:pt x="4714" y="1488"/>
+                  </a:lnTo>
+                  <a:lnTo>
+                    <a:pt x="4514" y="1470"/>
+                  </a:lnTo>
+                  <a:lnTo>
+                    <a:pt x="4316" y="1453"/>
+                  </a:lnTo>
+                  <a:lnTo>
+                    <a:pt x="4122" y="1434"/>
+                  </a:lnTo>
+                  <a:lnTo>
+                    <a:pt x="3929" y="1405"/>
+                  </a:lnTo>
+                  <a:lnTo>
+                    <a:pt x="3739" y="1374"/>
+                  </a:lnTo>
+                  <a:lnTo>
+                    <a:pt x="3553" y="1346"/>
+                  </a:lnTo>
+                  <a:lnTo>
+                    <a:pt x="3190" y="1267"/>
+                  </a:lnTo>
+                  <a:lnTo>
+                    <a:pt x="2842" y="1183"/>
+                  </a:lnTo>
+                  <a:lnTo>
+                    <a:pt x="2508" y="1095"/>
+                  </a:lnTo>
+                  <a:lnTo>
+                    <a:pt x="2192" y="998"/>
+                  </a:lnTo>
+                  <a:lnTo>
+                    <a:pt x="1890" y="897"/>
+                  </a:lnTo>
+                  <a:lnTo>
+                    <a:pt x="1610" y="788"/>
+                  </a:lnTo>
+                  <a:lnTo>
+                    <a:pt x="1347" y="681"/>
+                  </a:lnTo>
+                  <a:lnTo>
+                    <a:pt x="1105" y="574"/>
+                  </a:lnTo>
+                  <a:lnTo>
+                    <a:pt x="883" y="473"/>
+                  </a:lnTo>
+                  <a:lnTo>
+                    <a:pt x="686" y="377"/>
+                  </a:lnTo>
+                  <a:lnTo>
+                    <a:pt x="508" y="286"/>
+                  </a:lnTo>
+                  <a:lnTo>
+                    <a:pt x="358" y="210"/>
+                  </a:lnTo>
+                  <a:lnTo>
+                    <a:pt x="232" y="138"/>
+                  </a:lnTo>
+                  <a:lnTo>
+                    <a:pt x="59" y="35"/>
+                  </a:lnTo>
+                  <a:lnTo>
+                    <a:pt x="0" y="0"/>
+                  </a:lnTo>
+                  <a:lnTo>
+                    <a:pt x="0" y="0"/>
+                  </a:lnTo>
+                  <a:close/>
+                </a:path>
+              </a:pathLst>
+            </a:custGeom>
+            <a:solidFill>
+              <a:schemeClr val="bg1"/>
+            </a:solidFill>
+            <a:ln>
+              <a:noFill/>
+            </a:ln>
+          </p:spPr>
+        </p:sp>
+        <p:sp>
+          <p:nvSpPr>
+            <p:cNvPr id="22" name="Freeform 5">
+              <a:extLst>
+                <a:ext uri="{FF2B5EF4-FFF2-40B4-BE49-F238E27FC236}">
+                  <a16:creationId xmlns:a16="http://schemas.microsoft.com/office/drawing/2014/main" id="{3ECBDDDB-593C-40F0-8E80-AA75798EE40C}"/>
+                </a:ext>
+                <a:ext uri="{C183D7F6-B498-43B3-948B-1728B52AA6E4}">
+                  <adec:decorative xmlns:adec="http://schemas.microsoft.com/office/drawing/2017/decorative" val="1"/>
+                </a:ext>
+              </a:extLst>
+            </p:cNvPr>
+            <p:cNvSpPr/>
+            <p:nvPr>
+              <p:extLst>
+                <p:ext uri="{386F3935-93C4-4BCD-93E2-E3B085C9AB24}">
+                  <p16:designElem xmlns:p16="http://schemas.microsoft.com/office/powerpoint/2015/main" val="1"/>
+                </p:ext>
+              </p:extLst>
+            </p:nvPr>
+          </p:nvSpPr>
+          <p:spPr bwMode="gray">
+            <a:xfrm rot="5677511" flipH="1">
+              <a:off x="6459831" y="1826079"/>
+              <a:ext cx="3299407" cy="440924"/>
+            </a:xfrm>
+            <a:custGeom>
+              <a:avLst/>
+              <a:gdLst/>
+              <a:ahLst/>
+              <a:cxnLst/>
+              <a:rect l="l" t="t" r="r" b="b"/>
+              <a:pathLst>
+                <a:path w="10000" h="5291">
+                  <a:moveTo>
+                    <a:pt x="85" y="2532"/>
+                  </a:moveTo>
+                  <a:cubicBezTo>
+                    <a:pt x="1736" y="3911"/>
+                    <a:pt x="7524" y="5298"/>
+                    <a:pt x="9958" y="5291"/>
+                  </a:cubicBezTo>
+                  <a:cubicBezTo>
+                    <a:pt x="9989" y="1958"/>
+                    <a:pt x="9969" y="3333"/>
+                    <a:pt x="10000" y="0"/>
+                  </a:cubicBezTo>
+                  <a:lnTo>
+                    <a:pt x="10000" y="0"/>
+                  </a:lnTo>
+                  <a:lnTo>
+                    <a:pt x="9667" y="204"/>
+                  </a:lnTo>
+                  <a:lnTo>
+                    <a:pt x="9334" y="400"/>
+                  </a:lnTo>
+                  <a:lnTo>
+                    <a:pt x="9001" y="590"/>
+                  </a:lnTo>
+                  <a:lnTo>
+                    <a:pt x="8667" y="753"/>
+                  </a:lnTo>
+                  <a:lnTo>
+                    <a:pt x="8333" y="917"/>
+                  </a:lnTo>
+                  <a:lnTo>
+                    <a:pt x="7999" y="1071"/>
+                  </a:lnTo>
+                  <a:lnTo>
+                    <a:pt x="7669" y="1202"/>
+                  </a:lnTo>
+                  <a:lnTo>
+                    <a:pt x="7333" y="1325"/>
+                  </a:lnTo>
+                  <a:lnTo>
+                    <a:pt x="7000" y="1440"/>
+                  </a:lnTo>
+                  <a:lnTo>
+                    <a:pt x="6673" y="1538"/>
+                  </a:lnTo>
+                  <a:lnTo>
+                    <a:pt x="6340" y="1636"/>
+                  </a:lnTo>
+                  <a:lnTo>
+                    <a:pt x="6013" y="1719"/>
+                  </a:lnTo>
+                  <a:lnTo>
+                    <a:pt x="5686" y="1784"/>
+                  </a:lnTo>
+                  <a:lnTo>
+                    <a:pt x="5359" y="1850"/>
+                  </a:lnTo>
+                  <a:lnTo>
+                    <a:pt x="5036" y="1906"/>
+                  </a:lnTo>
+                  <a:lnTo>
+                    <a:pt x="4717" y="1948"/>
+                  </a:lnTo>
+                  <a:lnTo>
+                    <a:pt x="4396" y="1980"/>
+                  </a:lnTo>
+                  <a:lnTo>
+                    <a:pt x="4079" y="2013"/>
+                  </a:lnTo>
+                  <a:lnTo>
+                    <a:pt x="3766" y="2029"/>
+                  </a:lnTo>
+                  <a:lnTo>
+                    <a:pt x="3454" y="2046"/>
+                  </a:lnTo>
+                  <a:lnTo>
+                    <a:pt x="3145" y="2053"/>
+                  </a:lnTo>
+                  <a:lnTo>
+                    <a:pt x="2839" y="2046"/>
+                  </a:lnTo>
+                  <a:lnTo>
+                    <a:pt x="2537" y="2046"/>
+                  </a:lnTo>
+                  <a:lnTo>
+                    <a:pt x="2238" y="2029"/>
+                  </a:lnTo>
+                  <a:lnTo>
+                    <a:pt x="1943" y="2004"/>
+                  </a:lnTo>
+                  <a:lnTo>
+                    <a:pt x="1653" y="1980"/>
+                  </a:lnTo>
+                  <a:lnTo>
+                    <a:pt x="1368" y="1955"/>
+                  </a:lnTo>
+                  <a:lnTo>
+                    <a:pt x="1085" y="1915"/>
+                  </a:lnTo>
+                  <a:lnTo>
+                    <a:pt x="806" y="1873"/>
+                  </a:lnTo>
+                  <a:lnTo>
+                    <a:pt x="533" y="1833"/>
+                  </a:lnTo>
+                  <a:lnTo>
+                    <a:pt x="0" y="1726"/>
+                  </a:lnTo>
+                  <a:cubicBezTo>
+                    <a:pt x="28" y="1995"/>
+                    <a:pt x="57" y="2263"/>
+                    <a:pt x="85" y="2532"/>
+                  </a:cubicBezTo>
+                  <a:close/>
+                </a:path>
+              </a:pathLst>
+            </a:custGeom>
+            <a:solidFill>
+              <a:schemeClr val="bg1">
+                <a:alpha val="20000"/>
+              </a:schemeClr>
+            </a:solidFill>
+            <a:ln>
+              <a:noFill/>
+            </a:ln>
+          </p:spPr>
+        </p:sp>
+      </p:grpSp>
+      <p:pic>
+        <p:nvPicPr>
+          <p:cNvPr id="23" name="Picture 22" descr="Logo, company name&#10;&#10;Description automatically generated">
+            <a:extLst>
+              <a:ext uri="{FF2B5EF4-FFF2-40B4-BE49-F238E27FC236}">
+                <a16:creationId xmlns:a16="http://schemas.microsoft.com/office/drawing/2014/main" id="{D187D679-4A45-4CEB-AE1D-4FD1E0E0B472}"/>
+              </a:ext>
+            </a:extLst>
+          </p:cNvPr>
+          <p:cNvPicPr>
+            <a:picLocks noChangeAspect="1"/>
+          </p:cNvPicPr>
+          <p:nvPr/>
+        </p:nvPicPr>
+        <p:blipFill>
+          <a:blip r:embed="rId3">
+            <a:extLst>
+              <a:ext uri="{28A0092B-C50C-407E-A947-70E740481C1C}">
+                <a14:useLocalDpi xmlns:a14="http://schemas.microsoft.com/office/drawing/2010/main" val="0"/>
+              </a:ext>
+            </a:extLst>
+          </a:blip>
+          <a:stretch>
+            <a:fillRect/>
+          </a:stretch>
+        </p:blipFill>
+        <p:spPr>
+          <a:xfrm>
+            <a:off x="8782630" y="5786549"/>
+            <a:ext cx="3409370" cy="1122251"/>
+          </a:xfrm>
+          <a:prstGeom prst="rect">
+            <a:avLst/>
+          </a:prstGeom>
+        </p:spPr>
+      </p:pic>
+      <p:pic>
+        <p:nvPicPr>
           <p:cNvPr id="6" name="Content Placeholder 5" descr="Graphical user interface, text, application&#10;&#10;Description automatically generated">
             <a:extLst>
               <a:ext uri="{FF2B5EF4-FFF2-40B4-BE49-F238E27FC236}">
@@ -14542,7 +15556,7 @@
 </p:sld>
 </file>
 
-<file path=ppt/slides/slide13.xml><?xml version="1.0" encoding="utf-8"?>
+<file path=ppt/slides/slide15.xml><?xml version="1.0" encoding="utf-8"?>
 <p:sld xmlns:a="http://schemas.openxmlformats.org/drawingml/2006/main" xmlns:r="http://schemas.openxmlformats.org/officeDocument/2006/relationships" xmlns:p="http://schemas.openxmlformats.org/presentationml/2006/main">
   <p:cSld>
     <p:spTree>
@@ -14709,7 +15723,7 @@
 </p:sld>
 </file>
 
-<file path=ppt/slides/slide14.xml><?xml version="1.0" encoding="utf-8"?>
+<file path=ppt/slides/slide16.xml><?xml version="1.0" encoding="utf-8"?>
 <p:sld xmlns:a="http://schemas.openxmlformats.org/drawingml/2006/main" xmlns:r="http://schemas.openxmlformats.org/officeDocument/2006/relationships" xmlns:p="http://schemas.openxmlformats.org/presentationml/2006/main">
   <p:cSld>
     <p:bg>
@@ -15743,14 +16757,17 @@
           <a:p>
             <a:r>
               <a:rPr lang="en-CA" sz="2800" dirty="0"/>
-              <a:t>ARP Poisoning Attack</a:t>
+              <a:t>Mitnick Attack</a:t>
             </a:r>
           </a:p>
           <a:p>
             <a:r>
               <a:rPr lang="en-CA" sz="2800" dirty="0"/>
-              <a:t>ARP Man-in-the-middle(MITM) Attack</a:t>
+              <a:t>ARP Poisoning &amp; MITM Attack</a:t>
             </a:r>
+          </a:p>
+          <a:p>
+            <a:endParaRPr lang="en-CA" sz="2800" dirty="0"/>
           </a:p>
         </p:txBody>
       </p:sp>
@@ -17188,7 +18205,7 @@
           <p:cNvPr id="2" name="Title 1">
             <a:extLst>
               <a:ext uri="{FF2B5EF4-FFF2-40B4-BE49-F238E27FC236}">
-                <a16:creationId xmlns:a16="http://schemas.microsoft.com/office/drawing/2014/main" id="{23C8AB7F-EEF7-4895-AAFA-279F399CC826}"/>
+                <a16:creationId xmlns:a16="http://schemas.microsoft.com/office/drawing/2014/main" id="{1592AC44-D61B-46CE-8D49-653D63AC1748}"/>
               </a:ext>
             </a:extLst>
           </p:cNvPr>
@@ -17199,19 +18216,14 @@
             <p:ph type="title"/>
           </p:nvPr>
         </p:nvSpPr>
-        <p:spPr>
-          <a:xfrm>
-            <a:off x="1154954" y="973668"/>
-            <a:ext cx="10026190" cy="706964"/>
-          </a:xfrm>
-        </p:spPr>
+        <p:spPr/>
         <p:txBody>
           <a:bodyPr/>
           <a:lstStyle/>
           <a:p>
             <a:r>
               <a:rPr lang="en-US" dirty="0"/>
-              <a:t>ARP Poisoning Attack</a:t>
+              <a:t>Mitnick Attack</a:t>
             </a:r>
             <a:endParaRPr lang="en-CA" dirty="0"/>
           </a:p>
@@ -17222,7 +18234,7 @@
           <p:cNvPr id="3" name="Content Placeholder 2">
             <a:extLst>
               <a:ext uri="{FF2B5EF4-FFF2-40B4-BE49-F238E27FC236}">
-                <a16:creationId xmlns:a16="http://schemas.microsoft.com/office/drawing/2014/main" id="{06A856A4-260F-4C04-9901-E8E017F06CD8}"/>
+                <a16:creationId xmlns:a16="http://schemas.microsoft.com/office/drawing/2014/main" id="{B56BEEB4-55F9-4213-93E9-CC1230DB5684}"/>
               </a:ext>
             </a:extLst>
           </p:cNvPr>
@@ -17230,13 +18242,13 @@
             <a:spLocks noGrp="1"/>
           </p:cNvSpPr>
           <p:nvPr>
-            <p:ph sz="half" idx="1"/>
+            <p:ph idx="1"/>
           </p:nvPr>
         </p:nvSpPr>
         <p:spPr>
           <a:xfrm>
-            <a:off x="1154953" y="2603500"/>
-            <a:ext cx="5593087" cy="3416301"/>
+            <a:off x="1154955" y="2603500"/>
+            <a:ext cx="6139926" cy="3416300"/>
           </a:xfrm>
         </p:spPr>
         <p:txBody>
@@ -17249,37 +18261,85 @@
               <a:buNone/>
             </a:pPr>
             <a:r>
-              <a:rPr lang="en-US" sz="2000" dirty="0"/>
-              <a:t>Given an IP address, the Address Resolution Protocol (ARP) is a communication protocol for determining the link layer address, such as the MAC address.</a:t>
+              <a:rPr lang="en-US" dirty="0">
+                <a:ea typeface="+mn-lt"/>
+                <a:cs typeface="+mn-lt"/>
+              </a:rPr>
+              <a:t>The Mitnick attack is a type of TCP session hijacking that takes use of flaws in the TCP protocol as well as the trust between two machines. The Mitnick attack creates a TCP connection between the victim client and the victim server on their behalf, which it subsequently hijacks. Mitnick was able to deduce X-TCP Terminal's sequence number generator </a:t>
             </a:r>
-          </a:p>
-          <a:p>
-            <a:pPr marL="0" indent="0">
-              <a:buNone/>
-            </a:pPr>
             <a:r>
-              <a:rPr lang="en-US" sz="2000" dirty="0"/>
-              <a:t>The ARP cache poisoning attack is a typical ARP protocol exploit. Attackers can use this technique to trick the victim into adopting counterfeit IP-to-MAC mappings. This can lead to traffic being routed to the machine with the falsified MAC address, thus exposing the victim to man-in-the-middle attacks.</a:t>
+              <a:rPr lang="en-US" dirty="0" err="1">
+                <a:ea typeface="+mn-lt"/>
+                <a:cs typeface="+mn-lt"/>
+              </a:rPr>
+              <a:t>behaviour</a:t>
             </a:r>
-            <a:endParaRPr lang="en-CA" sz="2000" dirty="0"/>
+            <a:r>
+              <a:rPr lang="en-US" dirty="0">
+                <a:ea typeface="+mn-lt"/>
+                <a:cs typeface="+mn-lt"/>
+              </a:rPr>
+              <a:t> as well as the existence of a trusted relationship between X-Terminal and Server by sniffing the packets exchanged for establishing the connection. Then it impersonates a server and uses </a:t>
+            </a:r>
+            <a:r>
+              <a:rPr lang="en-US" dirty="0" err="1">
+                <a:ea typeface="+mn-lt"/>
+                <a:cs typeface="+mn-lt"/>
+              </a:rPr>
+              <a:t>rsh</a:t>
+            </a:r>
+            <a:r>
+              <a:rPr lang="en-US" dirty="0">
+                <a:ea typeface="+mn-lt"/>
+                <a:cs typeface="+mn-lt"/>
+              </a:rPr>
+              <a:t> to get access to the client's machine, where it </a:t>
+            </a:r>
+            <a:r>
+              <a:rPr lang="en-US" dirty="0" err="1">
+                <a:ea typeface="+mn-lt"/>
+                <a:cs typeface="+mn-lt"/>
+              </a:rPr>
+              <a:t>instals</a:t>
+            </a:r>
+            <a:r>
+              <a:rPr lang="en-US" dirty="0">
+                <a:ea typeface="+mn-lt"/>
+                <a:cs typeface="+mn-lt"/>
+              </a:rPr>
+              <a:t> a backdoor that allows it to access the client at any time by corrupting </a:t>
+            </a:r>
+            <a:r>
+              <a:rPr lang="en-US" dirty="0" err="1">
+                <a:ea typeface="+mn-lt"/>
+                <a:cs typeface="+mn-lt"/>
+              </a:rPr>
+              <a:t>the.rhosts</a:t>
+            </a:r>
+            <a:r>
+              <a:rPr lang="en-US" dirty="0">
+                <a:ea typeface="+mn-lt"/>
+                <a:cs typeface="+mn-lt"/>
+              </a:rPr>
+              <a:t> file.</a:t>
+            </a:r>
+            <a:endParaRPr lang="en-US" dirty="0"/>
           </a:p>
         </p:txBody>
       </p:sp>
       <p:pic>
         <p:nvPicPr>
-          <p:cNvPr id="7" name="Content Placeholder 6" descr="Diagram&#10;&#10;Description automatically generated">
+          <p:cNvPr id="4" name="Picture 3" descr="Logo, company name&#10;&#10;Description automatically generated">
             <a:extLst>
               <a:ext uri="{FF2B5EF4-FFF2-40B4-BE49-F238E27FC236}">
-                <a16:creationId xmlns:a16="http://schemas.microsoft.com/office/drawing/2014/main" id="{24FCD1E5-985D-422F-A486-C4AA2283C5D7}"/>
+                <a16:creationId xmlns:a16="http://schemas.microsoft.com/office/drawing/2014/main" id="{D0384531-67DD-4D03-836E-13CCF1777493}"/>
               </a:ext>
             </a:extLst>
           </p:cNvPr>
           <p:cNvPicPr>
-            <a:picLocks noGrp="1" noChangeAspect="1"/>
+            <a:picLocks noChangeAspect="1"/>
           </p:cNvPicPr>
-          <p:nvPr>
-            <p:ph sz="half" idx="2"/>
-          </p:nvPr>
+          <p:nvPr/>
         </p:nvPicPr>
         <p:blipFill>
           <a:blip r:embed="rId2">
@@ -17295,17 +18355,20 @@
         </p:blipFill>
         <p:spPr>
           <a:xfrm>
-            <a:off x="6886888" y="2603500"/>
-            <a:ext cx="3468062" cy="3416300"/>
+            <a:off x="8782630" y="5786549"/>
+            <a:ext cx="3409370" cy="1122251"/>
           </a:xfrm>
+          <a:prstGeom prst="rect">
+            <a:avLst/>
+          </a:prstGeom>
         </p:spPr>
       </p:pic>
       <p:pic>
         <p:nvPicPr>
-          <p:cNvPr id="4" name="Picture 3" descr="Logo, company name&#10;&#10;Description automatically generated">
+          <p:cNvPr id="5" name="Content Placeholder 6">
             <a:extLst>
               <a:ext uri="{FF2B5EF4-FFF2-40B4-BE49-F238E27FC236}">
-                <a16:creationId xmlns:a16="http://schemas.microsoft.com/office/drawing/2014/main" id="{55A5BF43-CB8C-468A-8A47-2FD53A292647}"/>
+                <a16:creationId xmlns:a16="http://schemas.microsoft.com/office/drawing/2014/main" id="{4D8CAFB5-88FD-46EC-B8D9-AC7360A87443}"/>
               </a:ext>
             </a:extLst>
           </p:cNvPr>
@@ -17315,21 +18378,15 @@
           <p:nvPr/>
         </p:nvPicPr>
         <p:blipFill>
-          <a:blip r:embed="rId3">
-            <a:extLst>
-              <a:ext uri="{28A0092B-C50C-407E-A947-70E740481C1C}">
-                <a14:useLocalDpi xmlns:a14="http://schemas.microsoft.com/office/drawing/2010/main" val="0"/>
-              </a:ext>
-            </a:extLst>
-          </a:blip>
+          <a:blip r:embed="rId3"/>
           <a:stretch>
             <a:fillRect/>
           </a:stretch>
         </p:blipFill>
         <p:spPr>
           <a:xfrm>
-            <a:off x="8782630" y="5735749"/>
-            <a:ext cx="3409370" cy="1122251"/>
+            <a:off x="7518400" y="2878144"/>
+            <a:ext cx="4307757" cy="2867011"/>
           </a:xfrm>
           <a:prstGeom prst="rect">
             <a:avLst/>
@@ -17339,7 +18396,7 @@
     </p:spTree>
     <p:extLst>
       <p:ext uri="{BB962C8B-B14F-4D97-AF65-F5344CB8AC3E}">
-        <p14:creationId xmlns:p14="http://schemas.microsoft.com/office/powerpoint/2010/main" val="3727788519"/>
+        <p14:creationId xmlns:p14="http://schemas.microsoft.com/office/powerpoint/2010/main" val="3218171844"/>
       </p:ext>
     </p:extLst>
   </p:cSld>
@@ -18123,7 +19180,7 @@
         </p:blipFill>
         <p:spPr>
           <a:xfrm>
-            <a:off x="8782630" y="5735749"/>
+            <a:off x="8782630" y="5786549"/>
             <a:ext cx="3409370" cy="1122251"/>
           </a:xfrm>
           <a:prstGeom prst="rect">
@@ -18133,10 +19190,10 @@
       </p:pic>
       <p:pic>
         <p:nvPicPr>
-          <p:cNvPr id="4" name="Content Placeholder 3">
+          <p:cNvPr id="11" name="Content Placeholder 10" descr="Graphical user interface, text, application&#10;&#10;Description automatically generated">
             <a:extLst>
               <a:ext uri="{FF2B5EF4-FFF2-40B4-BE49-F238E27FC236}">
-                <a16:creationId xmlns:a16="http://schemas.microsoft.com/office/drawing/2014/main" id="{BA4B95FC-A9E2-4C0D-A5C3-9A1AD7F68CC4}"/>
+                <a16:creationId xmlns:a16="http://schemas.microsoft.com/office/drawing/2014/main" id="{1CAFDB43-9264-4872-9CB7-BBAAE3909E20}"/>
               </a:ext>
             </a:extLst>
           </p:cNvPr>
@@ -18148,22 +19205,28 @@
           </p:nvPr>
         </p:nvPicPr>
         <p:blipFill>
-          <a:blip r:embed="rId4"/>
+          <a:blip r:embed="rId4">
+            <a:extLst>
+              <a:ext uri="{28A0092B-C50C-407E-A947-70E740481C1C}">
+                <a14:useLocalDpi xmlns:a14="http://schemas.microsoft.com/office/drawing/2010/main" val="0"/>
+              </a:ext>
+            </a:extLst>
+          </a:blip>
           <a:stretch>
             <a:fillRect/>
           </a:stretch>
         </p:blipFill>
         <p:spPr>
           <a:xfrm>
-            <a:off x="344383" y="497208"/>
-            <a:ext cx="7292715" cy="5799666"/>
+            <a:off x="181899" y="692928"/>
+            <a:ext cx="7690340" cy="4468352"/>
           </a:xfrm>
         </p:spPr>
       </p:pic>
     </p:spTree>
     <p:extLst>
       <p:ext uri="{BB962C8B-B14F-4D97-AF65-F5344CB8AC3E}">
-        <p14:creationId xmlns:p14="http://schemas.microsoft.com/office/powerpoint/2010/main" val="1264080200"/>
+        <p14:creationId xmlns:p14="http://schemas.microsoft.com/office/powerpoint/2010/main" val="3409894572"/>
       </p:ext>
     </p:extLst>
   </p:cSld>
